--- a/Images/banner/banner.pptx
+++ b/Images/banner/banner.pptx
@@ -6,7 +6,15 @@
   </p:sldMasterIdLst>
   <p:sldIdLst>
     <p:sldId id="257" r:id="rId2"/>
-    <p:sldId id="256" r:id="rId3"/>
+    <p:sldId id="258" r:id="rId3"/>
+    <p:sldId id="260" r:id="rId4"/>
+    <p:sldId id="262" r:id="rId5"/>
+    <p:sldId id="263" r:id="rId6"/>
+    <p:sldId id="264" r:id="rId7"/>
+    <p:sldId id="265" r:id="rId8"/>
+    <p:sldId id="259" r:id="rId9"/>
+    <p:sldId id="261" r:id="rId10"/>
+    <p:sldId id="256" r:id="rId11"/>
   </p:sldIdLst>
   <p:sldSz cx="12192000" cy="6858000"/>
   <p:notesSz cx="6858000" cy="9144000"/>
@@ -105,6 +113,11 @@
       </a:defRPr>
     </a:lvl9pPr>
   </p:defaultTextStyle>
+  <p:extLst>
+    <p:ext uri="{EFAFB233-063F-42B5-8137-9DF3F51BA10A}">
+      <p15:sldGuideLst xmlns:p15="http://schemas.microsoft.com/office/powerpoint/2012/main"/>
+    </p:ext>
+  </p:extLst>
 </p:presentation>
 </file>
 
@@ -255,7 +268,7 @@
           <a:p>
             <a:fld id="{DD0C10EE-F191-43FF-AD99-A47BD9E5756B}" type="datetimeFigureOut">
               <a:rPr lang="hu-HU" smtClean="0"/>
-              <a:t>2024. 01. 16.</a:t>
+              <a:t>2024. 01. 18.</a:t>
             </a:fld>
             <a:endParaRPr lang="hu-HU"/>
           </a:p>
@@ -453,7 +466,7 @@
           <a:p>
             <a:fld id="{DD0C10EE-F191-43FF-AD99-A47BD9E5756B}" type="datetimeFigureOut">
               <a:rPr lang="hu-HU" smtClean="0"/>
-              <a:t>2024. 01. 16.</a:t>
+              <a:t>2024. 01. 18.</a:t>
             </a:fld>
             <a:endParaRPr lang="hu-HU"/>
           </a:p>
@@ -661,7 +674,7 @@
           <a:p>
             <a:fld id="{DD0C10EE-F191-43FF-AD99-A47BD9E5756B}" type="datetimeFigureOut">
               <a:rPr lang="hu-HU" smtClean="0"/>
-              <a:t>2024. 01. 16.</a:t>
+              <a:t>2024. 01. 18.</a:t>
             </a:fld>
             <a:endParaRPr lang="hu-HU"/>
           </a:p>
@@ -859,7 +872,7 @@
           <a:p>
             <a:fld id="{DD0C10EE-F191-43FF-AD99-A47BD9E5756B}" type="datetimeFigureOut">
               <a:rPr lang="hu-HU" smtClean="0"/>
-              <a:t>2024. 01. 16.</a:t>
+              <a:t>2024. 01. 18.</a:t>
             </a:fld>
             <a:endParaRPr lang="hu-HU"/>
           </a:p>
@@ -1134,7 +1147,7 @@
           <a:p>
             <a:fld id="{DD0C10EE-F191-43FF-AD99-A47BD9E5756B}" type="datetimeFigureOut">
               <a:rPr lang="hu-HU" smtClean="0"/>
-              <a:t>2024. 01. 16.</a:t>
+              <a:t>2024. 01. 18.</a:t>
             </a:fld>
             <a:endParaRPr lang="hu-HU"/>
           </a:p>
@@ -1399,7 +1412,7 @@
           <a:p>
             <a:fld id="{DD0C10EE-F191-43FF-AD99-A47BD9E5756B}" type="datetimeFigureOut">
               <a:rPr lang="hu-HU" smtClean="0"/>
-              <a:t>2024. 01. 16.</a:t>
+              <a:t>2024. 01. 18.</a:t>
             </a:fld>
             <a:endParaRPr lang="hu-HU"/>
           </a:p>
@@ -1811,7 +1824,7 @@
           <a:p>
             <a:fld id="{DD0C10EE-F191-43FF-AD99-A47BD9E5756B}" type="datetimeFigureOut">
               <a:rPr lang="hu-HU" smtClean="0"/>
-              <a:t>2024. 01. 16.</a:t>
+              <a:t>2024. 01. 18.</a:t>
             </a:fld>
             <a:endParaRPr lang="hu-HU"/>
           </a:p>
@@ -1952,7 +1965,7 @@
           <a:p>
             <a:fld id="{DD0C10EE-F191-43FF-AD99-A47BD9E5756B}" type="datetimeFigureOut">
               <a:rPr lang="hu-HU" smtClean="0"/>
-              <a:t>2024. 01. 16.</a:t>
+              <a:t>2024. 01. 18.</a:t>
             </a:fld>
             <a:endParaRPr lang="hu-HU"/>
           </a:p>
@@ -2065,7 +2078,7 @@
           <a:p>
             <a:fld id="{DD0C10EE-F191-43FF-AD99-A47BD9E5756B}" type="datetimeFigureOut">
               <a:rPr lang="hu-HU" smtClean="0"/>
-              <a:t>2024. 01. 16.</a:t>
+              <a:t>2024. 01. 18.</a:t>
             </a:fld>
             <a:endParaRPr lang="hu-HU"/>
           </a:p>
@@ -2376,7 +2389,7 @@
           <a:p>
             <a:fld id="{DD0C10EE-F191-43FF-AD99-A47BD9E5756B}" type="datetimeFigureOut">
               <a:rPr lang="hu-HU" smtClean="0"/>
-              <a:t>2024. 01. 16.</a:t>
+              <a:t>2024. 01. 18.</a:t>
             </a:fld>
             <a:endParaRPr lang="hu-HU"/>
           </a:p>
@@ -2664,7 +2677,7 @@
           <a:p>
             <a:fld id="{DD0C10EE-F191-43FF-AD99-A47BD9E5756B}" type="datetimeFigureOut">
               <a:rPr lang="hu-HU" smtClean="0"/>
-              <a:t>2024. 01. 16.</a:t>
+              <a:t>2024. 01. 18.</a:t>
             </a:fld>
             <a:endParaRPr lang="hu-HU"/>
           </a:p>
@@ -2905,7 +2918,7 @@
           <a:p>
             <a:fld id="{DD0C10EE-F191-43FF-AD99-A47BD9E5756B}" type="datetimeFigureOut">
               <a:rPr lang="hu-HU" smtClean="0"/>
-              <a:t>2024. 01. 16.</a:t>
+              <a:t>2024. 01. 18.</a:t>
             </a:fld>
             <a:endParaRPr lang="hu-HU"/>
           </a:p>
@@ -3540,13 +3553,13 @@
   <p:clrMapOvr>
     <a:masterClrMapping/>
   </p:clrMapOvr>
-  <mc:AlternateContent xmlns:mc="http://schemas.openxmlformats.org/markup-compatibility/2006">
-    <mc:Choice xmlns:p159="http://schemas.microsoft.com/office/powerpoint/2015/09/main" Requires="p159">
+  <mc:AlternateContent xmlns:mc="http://schemas.openxmlformats.org/markup-compatibility/2006" xmlns:p159="http://schemas.microsoft.com/office/powerpoint/2015/09/main">
+    <mc:Choice Requires="p159">
       <p:transition xmlns:p14="http://schemas.microsoft.com/office/powerpoint/2010/main" spd="slow" p14:dur="2000">
         <p159:morph option="byObject"/>
       </p:transition>
     </mc:Choice>
-    <mc:Fallback>
+    <mc:Fallback xmlns="">
       <p:transition spd="slow">
         <p:fade/>
       </p:transition>
@@ -3555,7 +3568,7 @@
 </p:sld>
 </file>
 
-<file path=ppt/slides/slide2.xml><?xml version="1.0" encoding="utf-8"?>
+<file path=ppt/slides/slide10.xml><?xml version="1.0" encoding="utf-8"?>
 <p:sld xmlns:a="http://schemas.openxmlformats.org/drawingml/2006/main" xmlns:r="http://schemas.openxmlformats.org/officeDocument/2006/relationships" xmlns:p="http://schemas.openxmlformats.org/presentationml/2006/main">
   <p:cSld>
     <p:spTree>
@@ -3765,13 +3778,13 @@
   <p:clrMapOvr>
     <a:masterClrMapping/>
   </p:clrMapOvr>
-  <mc:AlternateContent xmlns:mc="http://schemas.openxmlformats.org/markup-compatibility/2006">
-    <mc:Choice xmlns:p159="http://schemas.microsoft.com/office/powerpoint/2015/09/main" Requires="p159">
+  <mc:AlternateContent xmlns:mc="http://schemas.openxmlformats.org/markup-compatibility/2006" xmlns:p159="http://schemas.microsoft.com/office/powerpoint/2015/09/main">
+    <mc:Choice Requires="p159">
       <p:transition xmlns:p14="http://schemas.microsoft.com/office/powerpoint/2010/main" spd="slow" p14:dur="2000">
         <p159:morph option="byObject"/>
       </p:transition>
     </mc:Choice>
-    <mc:Fallback>
+    <mc:Fallback xmlns="">
       <p:transition spd="slow">
         <p:fade/>
       </p:transition>
@@ -4060,6 +4073,1653 @@
       </p:par>
     </p:tnLst>
   </p:timing>
+</p:sld>
+</file>
+
+<file path=ppt/slides/slide2.xml><?xml version="1.0" encoding="utf-8"?>
+<p:sld xmlns:a="http://schemas.openxmlformats.org/drawingml/2006/main" xmlns:r="http://schemas.openxmlformats.org/officeDocument/2006/relationships" xmlns:p="http://schemas.openxmlformats.org/presentationml/2006/main">
+  <p:cSld>
+    <p:spTree>
+      <p:nvGrpSpPr>
+        <p:cNvPr id="1" name=""/>
+        <p:cNvGrpSpPr/>
+        <p:nvPr/>
+      </p:nvGrpSpPr>
+      <p:grpSpPr>
+        <a:xfrm>
+          <a:off x="0" y="0"/>
+          <a:ext cx="0" cy="0"/>
+          <a:chOff x="0" y="0"/>
+          <a:chExt cx="0" cy="0"/>
+        </a:xfrm>
+      </p:grpSpPr>
+      <p:sp>
+        <p:nvSpPr>
+          <p:cNvPr id="2" name="Cím 1">
+            <a:extLst>
+              <a:ext uri="{FF2B5EF4-FFF2-40B4-BE49-F238E27FC236}">
+                <a16:creationId xmlns:a16="http://schemas.microsoft.com/office/drawing/2014/main" id="{0D225FF2-68AC-37C0-1B6F-E28BFCF4D777}"/>
+              </a:ext>
+            </a:extLst>
+          </p:cNvPr>
+          <p:cNvSpPr>
+            <a:spLocks noGrp="1"/>
+          </p:cNvSpPr>
+          <p:nvPr>
+            <p:ph type="title"/>
+          </p:nvPr>
+        </p:nvSpPr>
+        <p:spPr/>
+        <p:txBody>
+          <a:bodyPr/>
+          <a:lstStyle/>
+          <a:p>
+            <a:r>
+              <a:rPr lang="en-US" dirty="0"/>
+              <a:t>Roadmap (mi </a:t>
+            </a:r>
+            <a:r>
+              <a:rPr lang="en-US" dirty="0" err="1"/>
+              <a:t>vóta</a:t>
+            </a:r>
+            <a:r>
+              <a:rPr lang="en-US" dirty="0"/>
+              <a:t> </a:t>
+            </a:r>
+            <a:r>
+              <a:rPr lang="en-US" dirty="0" err="1"/>
+              <a:t>terv</a:t>
+            </a:r>
+            <a:r>
+              <a:rPr lang="en-US" dirty="0"/>
+              <a:t>)</a:t>
+            </a:r>
+            <a:endParaRPr lang="hu-HU" dirty="0"/>
+          </a:p>
+        </p:txBody>
+      </p:sp>
+      <p:sp>
+        <p:nvSpPr>
+          <p:cNvPr id="3" name="Szöveg helye 2">
+            <a:extLst>
+              <a:ext uri="{FF2B5EF4-FFF2-40B4-BE49-F238E27FC236}">
+                <a16:creationId xmlns:a16="http://schemas.microsoft.com/office/drawing/2014/main" id="{DF88FAD9-0802-FAA3-A631-AC13E3C83F27}"/>
+              </a:ext>
+            </a:extLst>
+          </p:cNvPr>
+          <p:cNvSpPr txBox="1">
+            <a:spLocks/>
+          </p:cNvSpPr>
+          <p:nvPr/>
+        </p:nvSpPr>
+        <p:spPr>
+          <a:xfrm>
+            <a:off x="838200" y="2646448"/>
+            <a:ext cx="9078912" cy="2572991"/>
+          </a:xfrm>
+          <a:prstGeom prst="rect">
+            <a:avLst/>
+          </a:prstGeom>
+        </p:spPr>
+        <p:txBody>
+          <a:bodyPr vert="horz" lIns="91440" tIns="45720" rIns="91440" bIns="45720" rtlCol="0">
+            <a:normAutofit/>
+          </a:bodyPr>
+          <a:lstStyle>
+            <a:lvl1pPr marL="228600" indent="-228600" algn="l" defTabSz="914400" rtl="0" eaLnBrk="1" latinLnBrk="0" hangingPunct="1">
+              <a:lnSpc>
+                <a:spcPct val="90000"/>
+              </a:lnSpc>
+              <a:spcBef>
+                <a:spcPts val="1000"/>
+              </a:spcBef>
+              <a:buFont typeface="Arial" panose="020B0604020202020204" pitchFamily="34" charset="0"/>
+              <a:buChar char="•"/>
+              <a:defRPr sz="2800" kern="1200">
+                <a:solidFill>
+                  <a:schemeClr val="tx1"/>
+                </a:solidFill>
+                <a:latin typeface="+mn-lt"/>
+                <a:ea typeface="+mn-ea"/>
+                <a:cs typeface="+mn-cs"/>
+              </a:defRPr>
+            </a:lvl1pPr>
+            <a:lvl2pPr marL="685800" indent="-228600" algn="l" defTabSz="914400" rtl="0" eaLnBrk="1" latinLnBrk="0" hangingPunct="1">
+              <a:lnSpc>
+                <a:spcPct val="90000"/>
+              </a:lnSpc>
+              <a:spcBef>
+                <a:spcPts val="500"/>
+              </a:spcBef>
+              <a:buFont typeface="Arial" panose="020B0604020202020204" pitchFamily="34" charset="0"/>
+              <a:buChar char="•"/>
+              <a:defRPr sz="2400" kern="1200">
+                <a:solidFill>
+                  <a:schemeClr val="tx1"/>
+                </a:solidFill>
+                <a:latin typeface="+mn-lt"/>
+                <a:ea typeface="+mn-ea"/>
+                <a:cs typeface="+mn-cs"/>
+              </a:defRPr>
+            </a:lvl2pPr>
+            <a:lvl3pPr marL="1143000" indent="-228600" algn="l" defTabSz="914400" rtl="0" eaLnBrk="1" latinLnBrk="0" hangingPunct="1">
+              <a:lnSpc>
+                <a:spcPct val="90000"/>
+              </a:lnSpc>
+              <a:spcBef>
+                <a:spcPts val="500"/>
+              </a:spcBef>
+              <a:buFont typeface="Arial" panose="020B0604020202020204" pitchFamily="34" charset="0"/>
+              <a:buChar char="•"/>
+              <a:defRPr sz="2000" kern="1200">
+                <a:solidFill>
+                  <a:schemeClr val="tx1"/>
+                </a:solidFill>
+                <a:latin typeface="+mn-lt"/>
+                <a:ea typeface="+mn-ea"/>
+                <a:cs typeface="+mn-cs"/>
+              </a:defRPr>
+            </a:lvl3pPr>
+            <a:lvl4pPr marL="1600200" indent="-228600" algn="l" defTabSz="914400" rtl="0" eaLnBrk="1" latinLnBrk="0" hangingPunct="1">
+              <a:lnSpc>
+                <a:spcPct val="90000"/>
+              </a:lnSpc>
+              <a:spcBef>
+                <a:spcPts val="500"/>
+              </a:spcBef>
+              <a:buFont typeface="Arial" panose="020B0604020202020204" pitchFamily="34" charset="0"/>
+              <a:buChar char="•"/>
+              <a:defRPr sz="1800" kern="1200">
+                <a:solidFill>
+                  <a:schemeClr val="tx1"/>
+                </a:solidFill>
+                <a:latin typeface="+mn-lt"/>
+                <a:ea typeface="+mn-ea"/>
+                <a:cs typeface="+mn-cs"/>
+              </a:defRPr>
+            </a:lvl4pPr>
+            <a:lvl5pPr marL="2057400" indent="-228600" algn="l" defTabSz="914400" rtl="0" eaLnBrk="1" latinLnBrk="0" hangingPunct="1">
+              <a:lnSpc>
+                <a:spcPct val="90000"/>
+              </a:lnSpc>
+              <a:spcBef>
+                <a:spcPts val="500"/>
+              </a:spcBef>
+              <a:buFont typeface="Arial" panose="020B0604020202020204" pitchFamily="34" charset="0"/>
+              <a:buChar char="•"/>
+              <a:defRPr sz="1800" kern="1200">
+                <a:solidFill>
+                  <a:schemeClr val="tx1"/>
+                </a:solidFill>
+                <a:latin typeface="+mn-lt"/>
+                <a:ea typeface="+mn-ea"/>
+                <a:cs typeface="+mn-cs"/>
+              </a:defRPr>
+            </a:lvl5pPr>
+            <a:lvl6pPr marL="2514600" indent="-228600" algn="l" defTabSz="914400" rtl="0" eaLnBrk="1" latinLnBrk="0" hangingPunct="1">
+              <a:lnSpc>
+                <a:spcPct val="90000"/>
+              </a:lnSpc>
+              <a:spcBef>
+                <a:spcPts val="500"/>
+              </a:spcBef>
+              <a:buFont typeface="Arial" panose="020B0604020202020204" pitchFamily="34" charset="0"/>
+              <a:buChar char="•"/>
+              <a:defRPr sz="1800" kern="1200">
+                <a:solidFill>
+                  <a:schemeClr val="tx1"/>
+                </a:solidFill>
+                <a:latin typeface="+mn-lt"/>
+                <a:ea typeface="+mn-ea"/>
+                <a:cs typeface="+mn-cs"/>
+              </a:defRPr>
+            </a:lvl6pPr>
+            <a:lvl7pPr marL="2971800" indent="-228600" algn="l" defTabSz="914400" rtl="0" eaLnBrk="1" latinLnBrk="0" hangingPunct="1">
+              <a:lnSpc>
+                <a:spcPct val="90000"/>
+              </a:lnSpc>
+              <a:spcBef>
+                <a:spcPts val="500"/>
+              </a:spcBef>
+              <a:buFont typeface="Arial" panose="020B0604020202020204" pitchFamily="34" charset="0"/>
+              <a:buChar char="•"/>
+              <a:defRPr sz="1800" kern="1200">
+                <a:solidFill>
+                  <a:schemeClr val="tx1"/>
+                </a:solidFill>
+                <a:latin typeface="+mn-lt"/>
+                <a:ea typeface="+mn-ea"/>
+                <a:cs typeface="+mn-cs"/>
+              </a:defRPr>
+            </a:lvl7pPr>
+            <a:lvl8pPr marL="3429000" indent="-228600" algn="l" defTabSz="914400" rtl="0" eaLnBrk="1" latinLnBrk="0" hangingPunct="1">
+              <a:lnSpc>
+                <a:spcPct val="90000"/>
+              </a:lnSpc>
+              <a:spcBef>
+                <a:spcPts val="500"/>
+              </a:spcBef>
+              <a:buFont typeface="Arial" panose="020B0604020202020204" pitchFamily="34" charset="0"/>
+              <a:buChar char="•"/>
+              <a:defRPr sz="1800" kern="1200">
+                <a:solidFill>
+                  <a:schemeClr val="tx1"/>
+                </a:solidFill>
+                <a:latin typeface="+mn-lt"/>
+                <a:ea typeface="+mn-ea"/>
+                <a:cs typeface="+mn-cs"/>
+              </a:defRPr>
+            </a:lvl8pPr>
+            <a:lvl9pPr marL="3886200" indent="-228600" algn="l" defTabSz="914400" rtl="0" eaLnBrk="1" latinLnBrk="0" hangingPunct="1">
+              <a:lnSpc>
+                <a:spcPct val="90000"/>
+              </a:lnSpc>
+              <a:spcBef>
+                <a:spcPts val="500"/>
+              </a:spcBef>
+              <a:buFont typeface="Arial" panose="020B0604020202020204" pitchFamily="34" charset="0"/>
+              <a:buChar char="•"/>
+              <a:defRPr sz="1800" kern="1200">
+                <a:solidFill>
+                  <a:schemeClr val="tx1"/>
+                </a:solidFill>
+                <a:latin typeface="+mn-lt"/>
+                <a:ea typeface="+mn-ea"/>
+                <a:cs typeface="+mn-cs"/>
+              </a:defRPr>
+            </a:lvl9pPr>
+          </a:lstStyle>
+          <a:p>
+            <a:pPr>
+              <a:spcAft>
+                <a:spcPts val="1200"/>
+              </a:spcAft>
+              <a:buSzPct val="160000"/>
+              <a:buBlip>
+                <a:blip r:embed="rId2"/>
+              </a:buBlip>
+            </a:pPr>
+            <a:r>
+              <a:rPr lang="hu-HU" dirty="0">
+                <a:solidFill>
+                  <a:schemeClr val="tx1">
+                    <a:lumMod val="95000"/>
+                    <a:lumOff val="5000"/>
+                  </a:schemeClr>
+                </a:solidFill>
+                <a:effectLst>
+                  <a:outerShdw blurRad="38100" dist="38100" dir="2700000" algn="tl">
+                    <a:srgbClr val="000000">
+                      <a:alpha val="43137"/>
+                    </a:srgbClr>
+                  </a:outerShdw>
+                </a:effectLst>
+                <a:latin typeface="Century Gothic" panose="020B0502020202020204" pitchFamily="34" charset="0"/>
+              </a:rPr>
+              <a:t>Továbbfejlesztett design</a:t>
+            </a:r>
+            <a:r>
+              <a:rPr lang="en-US" dirty="0">
+                <a:solidFill>
+                  <a:schemeClr val="tx1">
+                    <a:lumMod val="95000"/>
+                    <a:lumOff val="5000"/>
+                  </a:schemeClr>
+                </a:solidFill>
+                <a:effectLst>
+                  <a:outerShdw blurRad="38100" dist="38100" dir="2700000" algn="tl">
+                    <a:srgbClr val="000000">
+                      <a:alpha val="43137"/>
+                    </a:srgbClr>
+                  </a:outerShdw>
+                </a:effectLst>
+                <a:latin typeface="Century Gothic" panose="020B0502020202020204" pitchFamily="34" charset="0"/>
+              </a:rPr>
+              <a:t> &amp; </a:t>
+            </a:r>
+            <a:r>
+              <a:rPr lang="en-US" dirty="0" err="1">
+                <a:solidFill>
+                  <a:schemeClr val="tx1">
+                    <a:lumMod val="95000"/>
+                    <a:lumOff val="5000"/>
+                  </a:schemeClr>
+                </a:solidFill>
+                <a:effectLst>
+                  <a:outerShdw blurRad="38100" dist="38100" dir="2700000" algn="tl">
+                    <a:srgbClr val="000000">
+                      <a:alpha val="43137"/>
+                    </a:srgbClr>
+                  </a:outerShdw>
+                </a:effectLst>
+                <a:latin typeface="Century Gothic" panose="020B0502020202020204" pitchFamily="34" charset="0"/>
+              </a:rPr>
+              <a:t>funkciók</a:t>
+            </a:r>
+            <a:endParaRPr lang="hu-HU" dirty="0">
+              <a:solidFill>
+                <a:schemeClr val="tx1">
+                  <a:lumMod val="95000"/>
+                  <a:lumOff val="5000"/>
+                </a:schemeClr>
+              </a:solidFill>
+              <a:effectLst>
+                <a:outerShdw blurRad="38100" dist="38100" dir="2700000" algn="tl">
+                  <a:srgbClr val="000000">
+                    <a:alpha val="43137"/>
+                  </a:srgbClr>
+                </a:outerShdw>
+              </a:effectLst>
+              <a:latin typeface="Century Gothic" panose="020B0502020202020204" pitchFamily="34" charset="0"/>
+            </a:endParaRPr>
+          </a:p>
+          <a:p>
+            <a:pPr>
+              <a:spcAft>
+                <a:spcPts val="1200"/>
+              </a:spcAft>
+              <a:buSzPct val="160000"/>
+              <a:buBlip>
+                <a:blip r:embed="rId2"/>
+              </a:buBlip>
+            </a:pPr>
+            <a:r>
+              <a:rPr lang="hu-HU" dirty="0">
+                <a:solidFill>
+                  <a:schemeClr val="tx1">
+                    <a:lumMod val="95000"/>
+                    <a:lumOff val="5000"/>
+                  </a:schemeClr>
+                </a:solidFill>
+                <a:effectLst>
+                  <a:outerShdw blurRad="38100" dist="38100" dir="2700000" algn="tl">
+                    <a:srgbClr val="000000">
+                      <a:alpha val="43137"/>
+                    </a:srgbClr>
+                  </a:outerShdw>
+                </a:effectLst>
+                <a:latin typeface="Century Gothic" panose="020B0502020202020204" pitchFamily="34" charset="0"/>
+              </a:rPr>
+              <a:t>Kiadott alkalmazás</a:t>
+            </a:r>
+          </a:p>
+          <a:p>
+            <a:pPr>
+              <a:spcAft>
+                <a:spcPts val="1200"/>
+              </a:spcAft>
+              <a:buSzPct val="160000"/>
+              <a:buBlip>
+                <a:blip r:embed="rId2"/>
+              </a:buBlip>
+            </a:pPr>
+            <a:r>
+              <a:rPr lang="hu-HU" dirty="0">
+                <a:solidFill>
+                  <a:schemeClr val="tx1">
+                    <a:lumMod val="95000"/>
+                    <a:lumOff val="5000"/>
+                  </a:schemeClr>
+                </a:solidFill>
+                <a:effectLst>
+                  <a:outerShdw blurRad="38100" dist="38100" dir="2700000" algn="tl">
+                    <a:srgbClr val="000000">
+                      <a:alpha val="43137"/>
+                    </a:srgbClr>
+                  </a:outerShdw>
+                </a:effectLst>
+                <a:latin typeface="Century Gothic" panose="020B0502020202020204" pitchFamily="34" charset="0"/>
+              </a:rPr>
+              <a:t>Webes felület</a:t>
+            </a:r>
+            <a:r>
+              <a:rPr lang="en-US" dirty="0">
+                <a:solidFill>
+                  <a:schemeClr val="tx1">
+                    <a:lumMod val="95000"/>
+                    <a:lumOff val="5000"/>
+                  </a:schemeClr>
+                </a:solidFill>
+                <a:effectLst>
+                  <a:outerShdw blurRad="38100" dist="38100" dir="2700000" algn="tl">
+                    <a:srgbClr val="000000">
+                      <a:alpha val="43137"/>
+                    </a:srgbClr>
+                  </a:outerShdw>
+                </a:effectLst>
+                <a:latin typeface="Century Gothic" panose="020B0502020202020204" pitchFamily="34" charset="0"/>
+              </a:rPr>
+              <a:t> (?)</a:t>
+            </a:r>
+            <a:endParaRPr lang="hu-HU" dirty="0">
+              <a:solidFill>
+                <a:schemeClr val="tx1">
+                  <a:lumMod val="95000"/>
+                  <a:lumOff val="5000"/>
+                </a:schemeClr>
+              </a:solidFill>
+              <a:effectLst>
+                <a:outerShdw blurRad="38100" dist="38100" dir="2700000" algn="tl">
+                  <a:srgbClr val="000000">
+                    <a:alpha val="43137"/>
+                  </a:srgbClr>
+                </a:outerShdw>
+              </a:effectLst>
+              <a:latin typeface="Century Gothic" panose="020B0502020202020204" pitchFamily="34" charset="0"/>
+            </a:endParaRPr>
+          </a:p>
+        </p:txBody>
+      </p:sp>
+    </p:spTree>
+    <p:extLst>
+      <p:ext uri="{BB962C8B-B14F-4D97-AF65-F5344CB8AC3E}">
+        <p14:creationId xmlns:p14="http://schemas.microsoft.com/office/powerpoint/2010/main" val="4026525302"/>
+      </p:ext>
+    </p:extLst>
+  </p:cSld>
+  <p:clrMapOvr>
+    <a:masterClrMapping/>
+  </p:clrMapOvr>
+  <p:timing>
+    <p:tnLst>
+      <p:par>
+        <p:cTn id="1" dur="indefinite" restart="never" nodeType="tmRoot">
+          <p:childTnLst>
+            <p:seq concurrent="1" nextAc="seek">
+              <p:cTn id="2" dur="indefinite" nodeType="mainSeq">
+                <p:childTnLst>
+                  <p:par>
+                    <p:cTn id="3" fill="hold">
+                      <p:stCondLst>
+                        <p:cond delay="indefinite"/>
+                      </p:stCondLst>
+                      <p:childTnLst>
+                        <p:par>
+                          <p:cTn id="4" fill="hold">
+                            <p:stCondLst>
+                              <p:cond delay="0"/>
+                            </p:stCondLst>
+                            <p:childTnLst>
+                              <p:par>
+                                <p:cTn id="5" presetID="42" presetClass="entr" presetSubtype="0" fill="hold" nodeType="clickEffect">
+                                  <p:stCondLst>
+                                    <p:cond delay="0"/>
+                                  </p:stCondLst>
+                                  <p:childTnLst>
+                                    <p:set>
+                                      <p:cBhvr>
+                                        <p:cTn id="6" dur="1" fill="hold">
+                                          <p:stCondLst>
+                                            <p:cond delay="0"/>
+                                          </p:stCondLst>
+                                        </p:cTn>
+                                        <p:tgtEl>
+                                          <p:spTgt spid="3">
+                                            <p:txEl>
+                                              <p:pRg st="0" end="0"/>
+                                            </p:txEl>
+                                          </p:spTgt>
+                                        </p:tgtEl>
+                                        <p:attrNameLst>
+                                          <p:attrName>style.visibility</p:attrName>
+                                        </p:attrNameLst>
+                                      </p:cBhvr>
+                                      <p:to>
+                                        <p:strVal val="visible"/>
+                                      </p:to>
+                                    </p:set>
+                                    <p:animEffect transition="in" filter="fade">
+                                      <p:cBhvr>
+                                        <p:cTn id="7" dur="1000"/>
+                                        <p:tgtEl>
+                                          <p:spTgt spid="3">
+                                            <p:txEl>
+                                              <p:pRg st="0" end="0"/>
+                                            </p:txEl>
+                                          </p:spTgt>
+                                        </p:tgtEl>
+                                      </p:cBhvr>
+                                    </p:animEffect>
+                                    <p:anim calcmode="lin" valueType="num">
+                                      <p:cBhvr>
+                                        <p:cTn id="8" dur="1000" fill="hold"/>
+                                        <p:tgtEl>
+                                          <p:spTgt spid="3">
+                                            <p:txEl>
+                                              <p:pRg st="0" end="0"/>
+                                            </p:txEl>
+                                          </p:spTgt>
+                                        </p:tgtEl>
+                                        <p:attrNameLst>
+                                          <p:attrName>ppt_x</p:attrName>
+                                        </p:attrNameLst>
+                                      </p:cBhvr>
+                                      <p:tavLst>
+                                        <p:tav tm="0">
+                                          <p:val>
+                                            <p:strVal val="#ppt_x"/>
+                                          </p:val>
+                                        </p:tav>
+                                        <p:tav tm="100000">
+                                          <p:val>
+                                            <p:strVal val="#ppt_x"/>
+                                          </p:val>
+                                        </p:tav>
+                                      </p:tavLst>
+                                    </p:anim>
+                                    <p:anim calcmode="lin" valueType="num">
+                                      <p:cBhvr>
+                                        <p:cTn id="9" dur="1000" fill="hold"/>
+                                        <p:tgtEl>
+                                          <p:spTgt spid="3">
+                                            <p:txEl>
+                                              <p:pRg st="0" end="0"/>
+                                            </p:txEl>
+                                          </p:spTgt>
+                                        </p:tgtEl>
+                                        <p:attrNameLst>
+                                          <p:attrName>ppt_y</p:attrName>
+                                        </p:attrNameLst>
+                                      </p:cBhvr>
+                                      <p:tavLst>
+                                        <p:tav tm="0">
+                                          <p:val>
+                                            <p:strVal val="#ppt_y+.1"/>
+                                          </p:val>
+                                        </p:tav>
+                                        <p:tav tm="100000">
+                                          <p:val>
+                                            <p:strVal val="#ppt_y"/>
+                                          </p:val>
+                                        </p:tav>
+                                      </p:tavLst>
+                                    </p:anim>
+                                  </p:childTnLst>
+                                </p:cTn>
+                              </p:par>
+                            </p:childTnLst>
+                          </p:cTn>
+                        </p:par>
+                      </p:childTnLst>
+                    </p:cTn>
+                  </p:par>
+                  <p:par>
+                    <p:cTn id="10" fill="hold">
+                      <p:stCondLst>
+                        <p:cond delay="indefinite"/>
+                      </p:stCondLst>
+                      <p:childTnLst>
+                        <p:par>
+                          <p:cTn id="11" fill="hold">
+                            <p:stCondLst>
+                              <p:cond delay="0"/>
+                            </p:stCondLst>
+                            <p:childTnLst>
+                              <p:par>
+                                <p:cTn id="12" presetID="42" presetClass="entr" presetSubtype="0" fill="hold" nodeType="clickEffect">
+                                  <p:stCondLst>
+                                    <p:cond delay="0"/>
+                                  </p:stCondLst>
+                                  <p:childTnLst>
+                                    <p:set>
+                                      <p:cBhvr>
+                                        <p:cTn id="13" dur="1" fill="hold">
+                                          <p:stCondLst>
+                                            <p:cond delay="0"/>
+                                          </p:stCondLst>
+                                        </p:cTn>
+                                        <p:tgtEl>
+                                          <p:spTgt spid="3">
+                                            <p:txEl>
+                                              <p:pRg st="1" end="1"/>
+                                            </p:txEl>
+                                          </p:spTgt>
+                                        </p:tgtEl>
+                                        <p:attrNameLst>
+                                          <p:attrName>style.visibility</p:attrName>
+                                        </p:attrNameLst>
+                                      </p:cBhvr>
+                                      <p:to>
+                                        <p:strVal val="visible"/>
+                                      </p:to>
+                                    </p:set>
+                                    <p:animEffect transition="in" filter="fade">
+                                      <p:cBhvr>
+                                        <p:cTn id="14" dur="1000"/>
+                                        <p:tgtEl>
+                                          <p:spTgt spid="3">
+                                            <p:txEl>
+                                              <p:pRg st="1" end="1"/>
+                                            </p:txEl>
+                                          </p:spTgt>
+                                        </p:tgtEl>
+                                      </p:cBhvr>
+                                    </p:animEffect>
+                                    <p:anim calcmode="lin" valueType="num">
+                                      <p:cBhvr>
+                                        <p:cTn id="15" dur="1000" fill="hold"/>
+                                        <p:tgtEl>
+                                          <p:spTgt spid="3">
+                                            <p:txEl>
+                                              <p:pRg st="1" end="1"/>
+                                            </p:txEl>
+                                          </p:spTgt>
+                                        </p:tgtEl>
+                                        <p:attrNameLst>
+                                          <p:attrName>ppt_x</p:attrName>
+                                        </p:attrNameLst>
+                                      </p:cBhvr>
+                                      <p:tavLst>
+                                        <p:tav tm="0">
+                                          <p:val>
+                                            <p:strVal val="#ppt_x"/>
+                                          </p:val>
+                                        </p:tav>
+                                        <p:tav tm="100000">
+                                          <p:val>
+                                            <p:strVal val="#ppt_x"/>
+                                          </p:val>
+                                        </p:tav>
+                                      </p:tavLst>
+                                    </p:anim>
+                                    <p:anim calcmode="lin" valueType="num">
+                                      <p:cBhvr>
+                                        <p:cTn id="16" dur="1000" fill="hold"/>
+                                        <p:tgtEl>
+                                          <p:spTgt spid="3">
+                                            <p:txEl>
+                                              <p:pRg st="1" end="1"/>
+                                            </p:txEl>
+                                          </p:spTgt>
+                                        </p:tgtEl>
+                                        <p:attrNameLst>
+                                          <p:attrName>ppt_y</p:attrName>
+                                        </p:attrNameLst>
+                                      </p:cBhvr>
+                                      <p:tavLst>
+                                        <p:tav tm="0">
+                                          <p:val>
+                                            <p:strVal val="#ppt_y+.1"/>
+                                          </p:val>
+                                        </p:tav>
+                                        <p:tav tm="100000">
+                                          <p:val>
+                                            <p:strVal val="#ppt_y"/>
+                                          </p:val>
+                                        </p:tav>
+                                      </p:tavLst>
+                                    </p:anim>
+                                  </p:childTnLst>
+                                </p:cTn>
+                              </p:par>
+                            </p:childTnLst>
+                          </p:cTn>
+                        </p:par>
+                      </p:childTnLst>
+                    </p:cTn>
+                  </p:par>
+                  <p:par>
+                    <p:cTn id="17" fill="hold">
+                      <p:stCondLst>
+                        <p:cond delay="indefinite"/>
+                      </p:stCondLst>
+                      <p:childTnLst>
+                        <p:par>
+                          <p:cTn id="18" fill="hold">
+                            <p:stCondLst>
+                              <p:cond delay="0"/>
+                            </p:stCondLst>
+                            <p:childTnLst>
+                              <p:par>
+                                <p:cTn id="19" presetID="42" presetClass="entr" presetSubtype="0" fill="hold" nodeType="clickEffect">
+                                  <p:stCondLst>
+                                    <p:cond delay="0"/>
+                                  </p:stCondLst>
+                                  <p:childTnLst>
+                                    <p:set>
+                                      <p:cBhvr>
+                                        <p:cTn id="20" dur="1" fill="hold">
+                                          <p:stCondLst>
+                                            <p:cond delay="0"/>
+                                          </p:stCondLst>
+                                        </p:cTn>
+                                        <p:tgtEl>
+                                          <p:spTgt spid="3">
+                                            <p:txEl>
+                                              <p:pRg st="2" end="2"/>
+                                            </p:txEl>
+                                          </p:spTgt>
+                                        </p:tgtEl>
+                                        <p:attrNameLst>
+                                          <p:attrName>style.visibility</p:attrName>
+                                        </p:attrNameLst>
+                                      </p:cBhvr>
+                                      <p:to>
+                                        <p:strVal val="visible"/>
+                                      </p:to>
+                                    </p:set>
+                                    <p:animEffect transition="in" filter="fade">
+                                      <p:cBhvr>
+                                        <p:cTn id="21" dur="1000"/>
+                                        <p:tgtEl>
+                                          <p:spTgt spid="3">
+                                            <p:txEl>
+                                              <p:pRg st="2" end="2"/>
+                                            </p:txEl>
+                                          </p:spTgt>
+                                        </p:tgtEl>
+                                      </p:cBhvr>
+                                    </p:animEffect>
+                                    <p:anim calcmode="lin" valueType="num">
+                                      <p:cBhvr>
+                                        <p:cTn id="22" dur="1000" fill="hold"/>
+                                        <p:tgtEl>
+                                          <p:spTgt spid="3">
+                                            <p:txEl>
+                                              <p:pRg st="2" end="2"/>
+                                            </p:txEl>
+                                          </p:spTgt>
+                                        </p:tgtEl>
+                                        <p:attrNameLst>
+                                          <p:attrName>ppt_x</p:attrName>
+                                        </p:attrNameLst>
+                                      </p:cBhvr>
+                                      <p:tavLst>
+                                        <p:tav tm="0">
+                                          <p:val>
+                                            <p:strVal val="#ppt_x"/>
+                                          </p:val>
+                                        </p:tav>
+                                        <p:tav tm="100000">
+                                          <p:val>
+                                            <p:strVal val="#ppt_x"/>
+                                          </p:val>
+                                        </p:tav>
+                                      </p:tavLst>
+                                    </p:anim>
+                                    <p:anim calcmode="lin" valueType="num">
+                                      <p:cBhvr>
+                                        <p:cTn id="23" dur="1000" fill="hold"/>
+                                        <p:tgtEl>
+                                          <p:spTgt spid="3">
+                                            <p:txEl>
+                                              <p:pRg st="2" end="2"/>
+                                            </p:txEl>
+                                          </p:spTgt>
+                                        </p:tgtEl>
+                                        <p:attrNameLst>
+                                          <p:attrName>ppt_y</p:attrName>
+                                        </p:attrNameLst>
+                                      </p:cBhvr>
+                                      <p:tavLst>
+                                        <p:tav tm="0">
+                                          <p:val>
+                                            <p:strVal val="#ppt_y+.1"/>
+                                          </p:val>
+                                        </p:tav>
+                                        <p:tav tm="100000">
+                                          <p:val>
+                                            <p:strVal val="#ppt_y"/>
+                                          </p:val>
+                                        </p:tav>
+                                      </p:tavLst>
+                                    </p:anim>
+                                  </p:childTnLst>
+                                </p:cTn>
+                              </p:par>
+                            </p:childTnLst>
+                          </p:cTn>
+                        </p:par>
+                      </p:childTnLst>
+                    </p:cTn>
+                  </p:par>
+                </p:childTnLst>
+              </p:cTn>
+              <p:prevCondLst>
+                <p:cond evt="onPrev" delay="0">
+                  <p:tgtEl>
+                    <p:sldTgt/>
+                  </p:tgtEl>
+                </p:cond>
+              </p:prevCondLst>
+              <p:nextCondLst>
+                <p:cond evt="onNext" delay="0">
+                  <p:tgtEl>
+                    <p:sldTgt/>
+                  </p:tgtEl>
+                </p:cond>
+              </p:nextCondLst>
+            </p:seq>
+          </p:childTnLst>
+        </p:cTn>
+      </p:par>
+    </p:tnLst>
+  </p:timing>
+</p:sld>
+</file>
+
+<file path=ppt/slides/slide3.xml><?xml version="1.0" encoding="utf-8"?>
+<p:sld xmlns:a="http://schemas.openxmlformats.org/drawingml/2006/main" xmlns:r="http://schemas.openxmlformats.org/officeDocument/2006/relationships" xmlns:p="http://schemas.openxmlformats.org/presentationml/2006/main">
+  <p:cSld>
+    <p:spTree>
+      <p:nvGrpSpPr>
+        <p:cNvPr id="1" name=""/>
+        <p:cNvGrpSpPr/>
+        <p:nvPr/>
+      </p:nvGrpSpPr>
+      <p:grpSpPr>
+        <a:xfrm>
+          <a:off x="0" y="0"/>
+          <a:ext cx="0" cy="0"/>
+          <a:chOff x="0" y="0"/>
+          <a:chExt cx="0" cy="0"/>
+        </a:xfrm>
+      </p:grpSpPr>
+      <p:sp>
+        <p:nvSpPr>
+          <p:cNvPr id="2" name="Cím 1">
+            <a:extLst>
+              <a:ext uri="{FF2B5EF4-FFF2-40B4-BE49-F238E27FC236}">
+                <a16:creationId xmlns:a16="http://schemas.microsoft.com/office/drawing/2014/main" id="{0D225FF2-68AC-37C0-1B6F-E28BFCF4D777}"/>
+              </a:ext>
+            </a:extLst>
+          </p:cNvPr>
+          <p:cNvSpPr>
+            <a:spLocks noGrp="1"/>
+          </p:cNvSpPr>
+          <p:nvPr>
+            <p:ph type="title"/>
+          </p:nvPr>
+        </p:nvSpPr>
+        <p:spPr/>
+        <p:txBody>
+          <a:bodyPr/>
+          <a:lstStyle/>
+          <a:p>
+            <a:r>
+              <a:rPr lang="en-US" dirty="0" err="1"/>
+              <a:t>Haladás</a:t>
+            </a:r>
+            <a:r>
+              <a:rPr lang="en-US" dirty="0"/>
+              <a:t> </a:t>
+            </a:r>
+            <a:r>
+              <a:rPr lang="en-US" dirty="0" err="1"/>
+              <a:t>az</a:t>
+            </a:r>
+            <a:r>
+              <a:rPr lang="en-US" dirty="0"/>
+              <a:t> </a:t>
+            </a:r>
+            <a:r>
+              <a:rPr lang="en-US" dirty="0" err="1"/>
+              <a:t>előző</a:t>
+            </a:r>
+            <a:r>
+              <a:rPr lang="en-US" dirty="0"/>
+              <a:t> workshop </a:t>
+            </a:r>
+            <a:r>
+              <a:rPr lang="en-US" dirty="0" err="1"/>
+              <a:t>óta</a:t>
+            </a:r>
+            <a:endParaRPr lang="hu-HU" dirty="0"/>
+          </a:p>
+        </p:txBody>
+      </p:sp>
+      <p:sp>
+        <p:nvSpPr>
+          <p:cNvPr id="3" name="Szövegdoboz 2">
+            <a:extLst>
+              <a:ext uri="{FF2B5EF4-FFF2-40B4-BE49-F238E27FC236}">
+                <a16:creationId xmlns:a16="http://schemas.microsoft.com/office/drawing/2014/main" id="{E288F3BC-9F22-B0A5-A3EB-7CFB5627F45D}"/>
+              </a:ext>
+            </a:extLst>
+          </p:cNvPr>
+          <p:cNvSpPr txBox="1"/>
+          <p:nvPr/>
+        </p:nvSpPr>
+        <p:spPr>
+          <a:xfrm>
+            <a:off x="838200" y="1857178"/>
+            <a:ext cx="7584440" cy="2585323"/>
+          </a:xfrm>
+          <a:prstGeom prst="rect">
+            <a:avLst/>
+          </a:prstGeom>
+          <a:noFill/>
+        </p:spPr>
+        <p:txBody>
+          <a:bodyPr wrap="square" rtlCol="0">
+            <a:spAutoFit/>
+          </a:bodyPr>
+          <a:lstStyle/>
+          <a:p>
+            <a:r>
+              <a:rPr lang="en-US" dirty="0"/>
+              <a:t>Custom font</a:t>
+            </a:r>
+          </a:p>
+          <a:p>
+            <a:r>
+              <a:rPr lang="en-US" dirty="0"/>
+              <a:t>Todo </a:t>
+            </a:r>
+            <a:r>
+              <a:rPr lang="en-US" dirty="0" err="1"/>
+              <a:t>lista</a:t>
+            </a:r>
+            <a:r>
+              <a:rPr lang="en-US" dirty="0"/>
+              <a:t> update</a:t>
+            </a:r>
+          </a:p>
+          <a:p>
+            <a:r>
+              <a:rPr lang="en-US" dirty="0" err="1"/>
+              <a:t>Jegyzetek</a:t>
+            </a:r>
+            <a:endParaRPr lang="en-US" dirty="0"/>
+          </a:p>
+          <a:p>
+            <a:r>
+              <a:rPr lang="en-US" dirty="0" err="1"/>
+              <a:t>Visszajelzesek</a:t>
+            </a:r>
+            <a:r>
+              <a:rPr lang="en-US" dirty="0"/>
+              <a:t> (google </a:t>
+            </a:r>
+            <a:r>
+              <a:rPr lang="en-US" dirty="0" err="1"/>
+              <a:t>kerdoivek</a:t>
+            </a:r>
+            <a:r>
+              <a:rPr lang="en-US" dirty="0"/>
+              <a:t>)</a:t>
+            </a:r>
+          </a:p>
+          <a:p>
+            <a:r>
+              <a:rPr lang="en-US" dirty="0" err="1"/>
+              <a:t>Szilarddal</a:t>
+            </a:r>
+            <a:r>
+              <a:rPr lang="en-US" dirty="0"/>
+              <a:t> </a:t>
+            </a:r>
+            <a:r>
+              <a:rPr lang="en-US" dirty="0" err="1"/>
+              <a:t>elrugtuk</a:t>
+            </a:r>
+            <a:r>
+              <a:rPr lang="en-US" dirty="0"/>
+              <a:t> echo </a:t>
+            </a:r>
+            <a:r>
+              <a:rPr lang="en-US" dirty="0" err="1"/>
+              <a:t>modban</a:t>
+            </a:r>
+            <a:r>
+              <a:rPr lang="en-US" dirty="0"/>
+              <a:t> a </a:t>
+            </a:r>
+            <a:r>
+              <a:rPr lang="en-US" dirty="0" err="1"/>
+              <a:t>bmw</a:t>
+            </a:r>
+            <a:r>
+              <a:rPr lang="en-US" dirty="0"/>
+              <a:t>-t chase and </a:t>
+            </a:r>
+            <a:r>
+              <a:rPr lang="en-US" dirty="0" err="1"/>
+              <a:t>statusra+bk</a:t>
+            </a:r>
+            <a:r>
+              <a:rPr lang="en-US" dirty="0"/>
+              <a:t> </a:t>
+            </a:r>
+            <a:r>
+              <a:rPr lang="en-US" dirty="0" err="1"/>
+              <a:t>hessz</a:t>
+            </a:r>
+            <a:r>
+              <a:rPr lang="en-US" dirty="0"/>
+              <a:t> (BADADAN </a:t>
+            </a:r>
+            <a:r>
+              <a:rPr lang="en-US" dirty="0" err="1"/>
+              <a:t>BADADAN</a:t>
+            </a:r>
+            <a:r>
+              <a:rPr lang="en-US" dirty="0"/>
+              <a:t> BADADAN)</a:t>
+            </a:r>
+          </a:p>
+          <a:p>
+            <a:r>
+              <a:rPr lang="en-US" dirty="0"/>
+              <a:t>Notifications</a:t>
+            </a:r>
+          </a:p>
+          <a:p>
+            <a:r>
+              <a:rPr lang="en-US" dirty="0"/>
+              <a:t>Widgets</a:t>
+            </a:r>
+          </a:p>
+          <a:p>
+            <a:r>
+              <a:rPr lang="en-US" dirty="0" err="1"/>
+              <a:t>Webes</a:t>
+            </a:r>
+            <a:r>
+              <a:rPr lang="en-US" dirty="0"/>
+              <a:t> </a:t>
+            </a:r>
+            <a:r>
+              <a:rPr lang="en-US" dirty="0" err="1"/>
+              <a:t>felület</a:t>
+            </a:r>
+            <a:r>
+              <a:rPr lang="en-US" dirty="0"/>
+              <a:t> core </a:t>
+            </a:r>
+            <a:r>
+              <a:rPr lang="en-US" dirty="0" err="1"/>
+              <a:t>alkalmazas</a:t>
+            </a:r>
+            <a:endParaRPr lang="en-US" dirty="0"/>
+          </a:p>
+        </p:txBody>
+      </p:sp>
+      <p:pic>
+        <p:nvPicPr>
+          <p:cNvPr id="5" name="Kép 4" descr="A képen kerék, jármű, Szárazföldi jármű, gumiabroncs látható&#10;&#10;Automatikusan generált leírás">
+            <a:extLst>
+              <a:ext uri="{FF2B5EF4-FFF2-40B4-BE49-F238E27FC236}">
+                <a16:creationId xmlns:a16="http://schemas.microsoft.com/office/drawing/2014/main" id="{56350183-13F8-6FFC-D2B2-5B47708859E5}"/>
+              </a:ext>
+            </a:extLst>
+          </p:cNvPr>
+          <p:cNvPicPr>
+            <a:picLocks noChangeAspect="1"/>
+          </p:cNvPicPr>
+          <p:nvPr/>
+        </p:nvPicPr>
+        <p:blipFill>
+          <a:blip r:embed="rId2">
+            <a:extLst>
+              <a:ext uri="{28A0092B-C50C-407E-A947-70E740481C1C}">
+                <a14:useLocalDpi xmlns:a14="http://schemas.microsoft.com/office/drawing/2010/main" val="0"/>
+              </a:ext>
+            </a:extLst>
+          </a:blip>
+          <a:stretch>
+            <a:fillRect/>
+          </a:stretch>
+        </p:blipFill>
+        <p:spPr>
+          <a:xfrm>
+            <a:off x="6096000" y="3500996"/>
+            <a:ext cx="5852172" cy="3291847"/>
+          </a:xfrm>
+          <a:prstGeom prst="rect">
+            <a:avLst/>
+          </a:prstGeom>
+        </p:spPr>
+      </p:pic>
+    </p:spTree>
+    <p:extLst>
+      <p:ext uri="{BB962C8B-B14F-4D97-AF65-F5344CB8AC3E}">
+        <p14:creationId xmlns:p14="http://schemas.microsoft.com/office/powerpoint/2010/main" val="3548118022"/>
+      </p:ext>
+    </p:extLst>
+  </p:cSld>
+  <p:clrMapOvr>
+    <a:masterClrMapping/>
+  </p:clrMapOvr>
+</p:sld>
+</file>
+
+<file path=ppt/slides/slide4.xml><?xml version="1.0" encoding="utf-8"?>
+<p:sld xmlns:a="http://schemas.openxmlformats.org/drawingml/2006/main" xmlns:r="http://schemas.openxmlformats.org/officeDocument/2006/relationships" xmlns:p="http://schemas.openxmlformats.org/presentationml/2006/main">
+  <p:cSld>
+    <p:spTree>
+      <p:nvGrpSpPr>
+        <p:cNvPr id="1" name=""/>
+        <p:cNvGrpSpPr/>
+        <p:nvPr/>
+      </p:nvGrpSpPr>
+      <p:grpSpPr>
+        <a:xfrm>
+          <a:off x="0" y="0"/>
+          <a:ext cx="0" cy="0"/>
+          <a:chOff x="0" y="0"/>
+          <a:chExt cx="0" cy="0"/>
+        </a:xfrm>
+      </p:grpSpPr>
+      <p:sp>
+        <p:nvSpPr>
+          <p:cNvPr id="2" name="Cím 1">
+            <a:extLst>
+              <a:ext uri="{FF2B5EF4-FFF2-40B4-BE49-F238E27FC236}">
+                <a16:creationId xmlns:a16="http://schemas.microsoft.com/office/drawing/2014/main" id="{C0980557-F22C-7295-0CD4-4FCD842C629F}"/>
+              </a:ext>
+            </a:extLst>
+          </p:cNvPr>
+          <p:cNvSpPr>
+            <a:spLocks noGrp="1"/>
+          </p:cNvSpPr>
+          <p:nvPr>
+            <p:ph type="title"/>
+          </p:nvPr>
+        </p:nvSpPr>
+        <p:spPr/>
+        <p:txBody>
+          <a:bodyPr/>
+          <a:lstStyle/>
+          <a:p>
+            <a:r>
+              <a:rPr lang="en-US" dirty="0" err="1"/>
+              <a:t>Új</a:t>
+            </a:r>
+            <a:r>
+              <a:rPr lang="en-US" dirty="0"/>
+              <a:t> </a:t>
+            </a:r>
+            <a:r>
+              <a:rPr lang="en-US" dirty="0" err="1"/>
+              <a:t>alapértelmezett</a:t>
+            </a:r>
+            <a:r>
+              <a:rPr lang="en-US" dirty="0"/>
+              <a:t> </a:t>
+            </a:r>
+            <a:r>
+              <a:rPr lang="en-US" dirty="0" err="1"/>
+              <a:t>betűtípus</a:t>
+            </a:r>
+            <a:endParaRPr lang="hu-HU" dirty="0"/>
+          </a:p>
+        </p:txBody>
+      </p:sp>
+    </p:spTree>
+    <p:extLst>
+      <p:ext uri="{BB962C8B-B14F-4D97-AF65-F5344CB8AC3E}">
+        <p14:creationId xmlns:p14="http://schemas.microsoft.com/office/powerpoint/2010/main" val="1058091949"/>
+      </p:ext>
+    </p:extLst>
+  </p:cSld>
+  <p:clrMapOvr>
+    <a:masterClrMapping/>
+  </p:clrMapOvr>
+</p:sld>
+</file>
+
+<file path=ppt/slides/slide5.xml><?xml version="1.0" encoding="utf-8"?>
+<p:sld xmlns:a="http://schemas.openxmlformats.org/drawingml/2006/main" xmlns:r="http://schemas.openxmlformats.org/officeDocument/2006/relationships" xmlns:p="http://schemas.openxmlformats.org/presentationml/2006/main">
+  <p:cSld>
+    <p:spTree>
+      <p:nvGrpSpPr>
+        <p:cNvPr id="1" name=""/>
+        <p:cNvGrpSpPr/>
+        <p:nvPr/>
+      </p:nvGrpSpPr>
+      <p:grpSpPr>
+        <a:xfrm>
+          <a:off x="0" y="0"/>
+          <a:ext cx="0" cy="0"/>
+          <a:chOff x="0" y="0"/>
+          <a:chExt cx="0" cy="0"/>
+        </a:xfrm>
+      </p:grpSpPr>
+      <p:sp>
+        <p:nvSpPr>
+          <p:cNvPr id="2" name="Cím 1">
+            <a:extLst>
+              <a:ext uri="{FF2B5EF4-FFF2-40B4-BE49-F238E27FC236}">
+                <a16:creationId xmlns:a16="http://schemas.microsoft.com/office/drawing/2014/main" id="{C0980557-F22C-7295-0CD4-4FCD842C629F}"/>
+              </a:ext>
+            </a:extLst>
+          </p:cNvPr>
+          <p:cNvSpPr>
+            <a:spLocks noGrp="1"/>
+          </p:cNvSpPr>
+          <p:nvPr>
+            <p:ph type="title"/>
+          </p:nvPr>
+        </p:nvSpPr>
+        <p:spPr/>
+        <p:txBody>
+          <a:bodyPr/>
+          <a:lstStyle/>
+          <a:p>
+            <a:r>
+              <a:rPr lang="en-US" dirty="0" err="1"/>
+              <a:t>Órarend</a:t>
+            </a:r>
+            <a:endParaRPr lang="hu-HU" dirty="0"/>
+          </a:p>
+        </p:txBody>
+      </p:sp>
+    </p:spTree>
+    <p:extLst>
+      <p:ext uri="{BB962C8B-B14F-4D97-AF65-F5344CB8AC3E}">
+        <p14:creationId xmlns:p14="http://schemas.microsoft.com/office/powerpoint/2010/main" val="494566076"/>
+      </p:ext>
+    </p:extLst>
+  </p:cSld>
+  <p:clrMapOvr>
+    <a:masterClrMapping/>
+  </p:clrMapOvr>
+</p:sld>
+</file>
+
+<file path=ppt/slides/slide6.xml><?xml version="1.0" encoding="utf-8"?>
+<p:sld xmlns:a="http://schemas.openxmlformats.org/drawingml/2006/main" xmlns:r="http://schemas.openxmlformats.org/officeDocument/2006/relationships" xmlns:p="http://schemas.openxmlformats.org/presentationml/2006/main">
+  <p:cSld>
+    <p:spTree>
+      <p:nvGrpSpPr>
+        <p:cNvPr id="1" name=""/>
+        <p:cNvGrpSpPr/>
+        <p:nvPr/>
+      </p:nvGrpSpPr>
+      <p:grpSpPr>
+        <a:xfrm>
+          <a:off x="0" y="0"/>
+          <a:ext cx="0" cy="0"/>
+          <a:chOff x="0" y="0"/>
+          <a:chExt cx="0" cy="0"/>
+        </a:xfrm>
+      </p:grpSpPr>
+      <p:sp>
+        <p:nvSpPr>
+          <p:cNvPr id="2" name="Cím 1">
+            <a:extLst>
+              <a:ext uri="{FF2B5EF4-FFF2-40B4-BE49-F238E27FC236}">
+                <a16:creationId xmlns:a16="http://schemas.microsoft.com/office/drawing/2014/main" id="{C0980557-F22C-7295-0CD4-4FCD842C629F}"/>
+              </a:ext>
+            </a:extLst>
+          </p:cNvPr>
+          <p:cNvSpPr>
+            <a:spLocks noGrp="1"/>
+          </p:cNvSpPr>
+          <p:nvPr>
+            <p:ph type="title"/>
+          </p:nvPr>
+        </p:nvSpPr>
+        <p:spPr/>
+        <p:txBody>
+          <a:bodyPr/>
+          <a:lstStyle/>
+          <a:p>
+            <a:r>
+              <a:rPr lang="en-US" dirty="0" err="1"/>
+              <a:t>Widgetek</a:t>
+            </a:r>
+            <a:endParaRPr lang="hu-HU" dirty="0"/>
+          </a:p>
+        </p:txBody>
+      </p:sp>
+    </p:spTree>
+    <p:extLst>
+      <p:ext uri="{BB962C8B-B14F-4D97-AF65-F5344CB8AC3E}">
+        <p14:creationId xmlns:p14="http://schemas.microsoft.com/office/powerpoint/2010/main" val="269713414"/>
+      </p:ext>
+    </p:extLst>
+  </p:cSld>
+  <p:clrMapOvr>
+    <a:masterClrMapping/>
+  </p:clrMapOvr>
+</p:sld>
+</file>
+
+<file path=ppt/slides/slide7.xml><?xml version="1.0" encoding="utf-8"?>
+<p:sld xmlns:a="http://schemas.openxmlformats.org/drawingml/2006/main" xmlns:r="http://schemas.openxmlformats.org/officeDocument/2006/relationships" xmlns:p="http://schemas.openxmlformats.org/presentationml/2006/main">
+  <p:cSld>
+    <p:spTree>
+      <p:nvGrpSpPr>
+        <p:cNvPr id="1" name=""/>
+        <p:cNvGrpSpPr/>
+        <p:nvPr/>
+      </p:nvGrpSpPr>
+      <p:grpSpPr>
+        <a:xfrm>
+          <a:off x="0" y="0"/>
+          <a:ext cx="0" cy="0"/>
+          <a:chOff x="0" y="0"/>
+          <a:chExt cx="0" cy="0"/>
+        </a:xfrm>
+      </p:grpSpPr>
+      <p:sp>
+        <p:nvSpPr>
+          <p:cNvPr id="2" name="Cím 1">
+            <a:extLst>
+              <a:ext uri="{FF2B5EF4-FFF2-40B4-BE49-F238E27FC236}">
+                <a16:creationId xmlns:a16="http://schemas.microsoft.com/office/drawing/2014/main" id="{39804D31-096D-D311-4227-10E97AD16C65}"/>
+              </a:ext>
+            </a:extLst>
+          </p:cNvPr>
+          <p:cNvSpPr>
+            <a:spLocks noGrp="1"/>
+          </p:cNvSpPr>
+          <p:nvPr>
+            <p:ph type="title"/>
+          </p:nvPr>
+        </p:nvSpPr>
+        <p:spPr/>
+        <p:txBody>
+          <a:bodyPr/>
+          <a:lstStyle/>
+          <a:p>
+            <a:r>
+              <a:rPr lang="en-US" dirty="0"/>
+              <a:t>Todo </a:t>
+            </a:r>
+            <a:r>
+              <a:rPr lang="en-US" dirty="0" err="1"/>
+              <a:t>lista</a:t>
+            </a:r>
+            <a:r>
+              <a:rPr lang="en-US" dirty="0"/>
+              <a:t> update</a:t>
+            </a:r>
+            <a:endParaRPr lang="hu-HU" dirty="0"/>
+          </a:p>
+        </p:txBody>
+      </p:sp>
+    </p:spTree>
+    <p:extLst>
+      <p:ext uri="{BB962C8B-B14F-4D97-AF65-F5344CB8AC3E}">
+        <p14:creationId xmlns:p14="http://schemas.microsoft.com/office/powerpoint/2010/main" val="760365313"/>
+      </p:ext>
+    </p:extLst>
+  </p:cSld>
+  <p:clrMapOvr>
+    <a:masterClrMapping/>
+  </p:clrMapOvr>
+</p:sld>
+</file>
+
+<file path=ppt/slides/slide8.xml><?xml version="1.0" encoding="utf-8"?>
+<p:sld xmlns:a="http://schemas.openxmlformats.org/drawingml/2006/main" xmlns:r="http://schemas.openxmlformats.org/officeDocument/2006/relationships" xmlns:p="http://schemas.openxmlformats.org/presentationml/2006/main">
+  <p:cSld>
+    <p:spTree>
+      <p:nvGrpSpPr>
+        <p:cNvPr id="1" name=""/>
+        <p:cNvGrpSpPr/>
+        <p:nvPr/>
+      </p:nvGrpSpPr>
+      <p:grpSpPr>
+        <a:xfrm>
+          <a:off x="0" y="0"/>
+          <a:ext cx="0" cy="0"/>
+          <a:chOff x="0" y="0"/>
+          <a:chExt cx="0" cy="0"/>
+        </a:xfrm>
+      </p:grpSpPr>
+      <p:sp>
+        <p:nvSpPr>
+          <p:cNvPr id="2" name="Cím 1">
+            <a:extLst>
+              <a:ext uri="{FF2B5EF4-FFF2-40B4-BE49-F238E27FC236}">
+                <a16:creationId xmlns:a16="http://schemas.microsoft.com/office/drawing/2014/main" id="{0D225FF2-68AC-37C0-1B6F-E28BFCF4D777}"/>
+              </a:ext>
+            </a:extLst>
+          </p:cNvPr>
+          <p:cNvSpPr>
+            <a:spLocks noGrp="1"/>
+          </p:cNvSpPr>
+          <p:nvPr>
+            <p:ph type="title"/>
+          </p:nvPr>
+        </p:nvSpPr>
+        <p:spPr/>
+        <p:txBody>
+          <a:bodyPr/>
+          <a:lstStyle/>
+          <a:p>
+            <a:r>
+              <a:rPr lang="en-US" dirty="0" err="1"/>
+              <a:t>Nehezsegeink</a:t>
+            </a:r>
+            <a:r>
+              <a:rPr lang="en-US" dirty="0"/>
+              <a:t> (</a:t>
+            </a:r>
+            <a:r>
+              <a:rPr lang="en-US" dirty="0" err="1"/>
+              <a:t>reszletezve</a:t>
+            </a:r>
+            <a:r>
+              <a:rPr lang="en-US" dirty="0"/>
+              <a:t>)</a:t>
+            </a:r>
+            <a:endParaRPr lang="hu-HU" dirty="0"/>
+          </a:p>
+        </p:txBody>
+      </p:sp>
+      <p:sp>
+        <p:nvSpPr>
+          <p:cNvPr id="3" name="Szövegdoboz 2">
+            <a:extLst>
+              <a:ext uri="{FF2B5EF4-FFF2-40B4-BE49-F238E27FC236}">
+                <a16:creationId xmlns:a16="http://schemas.microsoft.com/office/drawing/2014/main" id="{E288F3BC-9F22-B0A5-A3EB-7CFB5627F45D}"/>
+              </a:ext>
+            </a:extLst>
+          </p:cNvPr>
+          <p:cNvSpPr txBox="1"/>
+          <p:nvPr/>
+        </p:nvSpPr>
+        <p:spPr>
+          <a:xfrm>
+            <a:off x="838200" y="1857178"/>
+            <a:ext cx="6508531" cy="1200329"/>
+          </a:xfrm>
+          <a:prstGeom prst="rect">
+            <a:avLst/>
+          </a:prstGeom>
+          <a:noFill/>
+        </p:spPr>
+        <p:txBody>
+          <a:bodyPr wrap="square" rtlCol="0">
+            <a:spAutoFit/>
+          </a:bodyPr>
+          <a:lstStyle/>
+          <a:p>
+            <a:r>
+              <a:rPr lang="en-US" dirty="0"/>
+              <a:t>Custom font</a:t>
+            </a:r>
+          </a:p>
+          <a:p>
+            <a:r>
+              <a:rPr lang="en-US" dirty="0"/>
+              <a:t>Timetable (</a:t>
+            </a:r>
+            <a:r>
+              <a:rPr lang="en-US" dirty="0" err="1"/>
+              <a:t>Githubos</a:t>
+            </a:r>
+            <a:r>
+              <a:rPr lang="en-US" dirty="0"/>
+              <a:t> dependency </a:t>
+            </a:r>
+            <a:r>
+              <a:rPr lang="en-US" dirty="0" err="1"/>
+              <a:t>kereses</a:t>
+            </a:r>
+            <a:r>
+              <a:rPr lang="en-US" dirty="0"/>
+              <a:t> </a:t>
+            </a:r>
+            <a:r>
+              <a:rPr lang="en-US" dirty="0" err="1"/>
+              <a:t>agyfasz</a:t>
+            </a:r>
+            <a:r>
+              <a:rPr lang="en-US" dirty="0"/>
+              <a:t>)</a:t>
+            </a:r>
+          </a:p>
+          <a:p>
+            <a:r>
+              <a:rPr lang="en-US" dirty="0" err="1"/>
+              <a:t>Ertesitesek</a:t>
+            </a:r>
+            <a:endParaRPr lang="en-US" dirty="0"/>
+          </a:p>
+          <a:p>
+            <a:r>
+              <a:rPr lang="en-US" dirty="0"/>
+              <a:t>Widget</a:t>
+            </a:r>
+          </a:p>
+        </p:txBody>
+      </p:sp>
+    </p:spTree>
+    <p:extLst>
+      <p:ext uri="{BB962C8B-B14F-4D97-AF65-F5344CB8AC3E}">
+        <p14:creationId xmlns:p14="http://schemas.microsoft.com/office/powerpoint/2010/main" val="4168391407"/>
+      </p:ext>
+    </p:extLst>
+  </p:cSld>
+  <p:clrMapOvr>
+    <a:masterClrMapping/>
+  </p:clrMapOvr>
+</p:sld>
+</file>
+
+<file path=ppt/slides/slide9.xml><?xml version="1.0" encoding="utf-8"?>
+<p:sld xmlns:a="http://schemas.openxmlformats.org/drawingml/2006/main" xmlns:r="http://schemas.openxmlformats.org/officeDocument/2006/relationships" xmlns:p="http://schemas.openxmlformats.org/presentationml/2006/main">
+  <p:cSld>
+    <p:spTree>
+      <p:nvGrpSpPr>
+        <p:cNvPr id="1" name=""/>
+        <p:cNvGrpSpPr/>
+        <p:nvPr/>
+      </p:nvGrpSpPr>
+      <p:grpSpPr>
+        <a:xfrm>
+          <a:off x="0" y="0"/>
+          <a:ext cx="0" cy="0"/>
+          <a:chOff x="0" y="0"/>
+          <a:chExt cx="0" cy="0"/>
+        </a:xfrm>
+      </p:grpSpPr>
+      <p:sp>
+        <p:nvSpPr>
+          <p:cNvPr id="2" name="Cím 1">
+            <a:extLst>
+              <a:ext uri="{FF2B5EF4-FFF2-40B4-BE49-F238E27FC236}">
+                <a16:creationId xmlns:a16="http://schemas.microsoft.com/office/drawing/2014/main" id="{E5A6D22F-1C39-19E5-4AE3-E805C83412E2}"/>
+              </a:ext>
+            </a:extLst>
+          </p:cNvPr>
+          <p:cNvSpPr>
+            <a:spLocks noGrp="1"/>
+          </p:cNvSpPr>
+          <p:nvPr>
+            <p:ph type="title"/>
+          </p:nvPr>
+        </p:nvSpPr>
+        <p:spPr/>
+        <p:txBody>
+          <a:bodyPr/>
+          <a:lstStyle/>
+          <a:p>
+            <a:r>
+              <a:rPr lang="en-US" dirty="0"/>
+              <a:t>SZILARD </a:t>
+            </a:r>
+            <a:r>
+              <a:rPr lang="en-US" dirty="0" err="1"/>
+              <a:t>szex</a:t>
+            </a:r>
+            <a:r>
+              <a:rPr lang="en-US" dirty="0"/>
+              <a:t>?</a:t>
+            </a:r>
+            <a:endParaRPr lang="hu-HU" dirty="0"/>
+          </a:p>
+        </p:txBody>
+      </p:sp>
+      <p:sp>
+        <p:nvSpPr>
+          <p:cNvPr id="3" name="Szövegdoboz 2">
+            <a:extLst>
+              <a:ext uri="{FF2B5EF4-FFF2-40B4-BE49-F238E27FC236}">
+                <a16:creationId xmlns:a16="http://schemas.microsoft.com/office/drawing/2014/main" id="{C214EE44-A40E-265F-CF39-235280BF5699}"/>
+              </a:ext>
+            </a:extLst>
+          </p:cNvPr>
+          <p:cNvSpPr txBox="1"/>
+          <p:nvPr/>
+        </p:nvSpPr>
+        <p:spPr>
+          <a:xfrm>
+            <a:off x="741680" y="1690688"/>
+            <a:ext cx="10434320" cy="1200329"/>
+          </a:xfrm>
+          <a:prstGeom prst="rect">
+            <a:avLst/>
+          </a:prstGeom>
+          <a:noFill/>
+        </p:spPr>
+        <p:txBody>
+          <a:bodyPr wrap="square" rtlCol="0">
+            <a:spAutoFit/>
+          </a:bodyPr>
+          <a:lstStyle/>
+          <a:p>
+            <a:r>
+              <a:rPr lang="en-US" dirty="0"/>
+              <a:t>Custom font</a:t>
+            </a:r>
+          </a:p>
+          <a:p>
+            <a:r>
+              <a:rPr lang="en-US" dirty="0"/>
+              <a:t>Timetable</a:t>
+            </a:r>
+          </a:p>
+          <a:p>
+            <a:r>
+              <a:rPr lang="en-US" dirty="0" err="1"/>
+              <a:t>Elorehaladas</a:t>
+            </a:r>
+            <a:r>
+              <a:rPr lang="en-US" dirty="0"/>
+              <a:t> </a:t>
+            </a:r>
+            <a:r>
+              <a:rPr lang="en-US" dirty="0" err="1"/>
+              <a:t>megbeszelese</a:t>
+            </a:r>
+            <a:endParaRPr lang="en-US" dirty="0"/>
+          </a:p>
+          <a:p>
+            <a:r>
+              <a:rPr lang="en-US" dirty="0"/>
+              <a:t>Notifications</a:t>
+            </a:r>
+            <a:endParaRPr lang="hu-HU" dirty="0"/>
+          </a:p>
+        </p:txBody>
+      </p:sp>
+    </p:spTree>
+    <p:extLst>
+      <p:ext uri="{BB962C8B-B14F-4D97-AF65-F5344CB8AC3E}">
+        <p14:creationId xmlns:p14="http://schemas.microsoft.com/office/powerpoint/2010/main" val="2194019554"/>
+      </p:ext>
+    </p:extLst>
+  </p:cSld>
+  <p:clrMapOvr>
+    <a:masterClrMapping/>
+  </p:clrMapOvr>
 </p:sld>
 </file>
 
